--- a/Hochsprachenprogrammierung Präsentation.pptx
+++ b/Hochsprachenprogrammierung Präsentation.pptx
@@ -499,7 +499,7 @@
             <a:fld id="{C23735F2-C9ED-4AE8-B2F3-55313B99993D}" type="datetimeFigureOut">
               <a:rPr lang="de-DE" smtClean="0"/>
               <a:pPr/>
-              <a:t>10.06.2020</a:t>
+              <a:t>11.06.2020</a:t>
             </a:fld>
             <a:endParaRPr lang="de-DE" dirty="0"/>
           </a:p>
@@ -666,7 +666,7 @@
             <a:fld id="{C23735F2-C9ED-4AE8-B2F3-55313B99993D}" type="datetimeFigureOut">
               <a:rPr lang="de-DE" smtClean="0"/>
               <a:pPr/>
-              <a:t>10.06.2020</a:t>
+              <a:t>11.06.2020</a:t>
             </a:fld>
             <a:endParaRPr lang="de-DE" dirty="0"/>
           </a:p>
@@ -843,7 +843,7 @@
             <a:fld id="{C23735F2-C9ED-4AE8-B2F3-55313B99993D}" type="datetimeFigureOut">
               <a:rPr lang="de-DE" smtClean="0"/>
               <a:pPr/>
-              <a:t>10.06.2020</a:t>
+              <a:t>11.06.2020</a:t>
             </a:fld>
             <a:endParaRPr lang="de-DE" dirty="0"/>
           </a:p>
@@ -1014,7 +1014,7 @@
             <a:fld id="{C23735F2-C9ED-4AE8-B2F3-55313B99993D}" type="datetimeFigureOut">
               <a:rPr lang="de-DE" smtClean="0"/>
               <a:pPr/>
-              <a:t>10.06.2020</a:t>
+              <a:t>11.06.2020</a:t>
             </a:fld>
             <a:endParaRPr lang="de-DE" dirty="0"/>
           </a:p>
@@ -1471,7 +1471,7 @@
             <a:fld id="{C23735F2-C9ED-4AE8-B2F3-55313B99993D}" type="datetimeFigureOut">
               <a:rPr lang="de-DE" smtClean="0"/>
               <a:pPr/>
-              <a:t>10.06.2020</a:t>
+              <a:t>11.06.2020</a:t>
             </a:fld>
             <a:endParaRPr lang="de-DE" dirty="0"/>
           </a:p>
@@ -1737,7 +1737,7 @@
             <a:fld id="{C23735F2-C9ED-4AE8-B2F3-55313B99993D}" type="datetimeFigureOut">
               <a:rPr lang="de-DE" smtClean="0"/>
               <a:pPr/>
-              <a:t>10.06.2020</a:t>
+              <a:t>11.06.2020</a:t>
             </a:fld>
             <a:endParaRPr lang="de-DE" dirty="0"/>
           </a:p>
@@ -2113,7 +2113,7 @@
             <a:fld id="{C23735F2-C9ED-4AE8-B2F3-55313B99993D}" type="datetimeFigureOut">
               <a:rPr lang="de-DE" smtClean="0"/>
               <a:pPr/>
-              <a:t>10.06.2020</a:t>
+              <a:t>11.06.2020</a:t>
             </a:fld>
             <a:endParaRPr lang="de-DE" dirty="0"/>
           </a:p>
@@ -2237,7 +2237,7 @@
             <a:fld id="{C23735F2-C9ED-4AE8-B2F3-55313B99993D}" type="datetimeFigureOut">
               <a:rPr lang="de-DE" smtClean="0"/>
               <a:pPr/>
-              <a:t>10.06.2020</a:t>
+              <a:t>11.06.2020</a:t>
             </a:fld>
             <a:endParaRPr lang="de-DE" dirty="0"/>
           </a:p>
@@ -2329,7 +2329,7 @@
             <a:fld id="{C23735F2-C9ED-4AE8-B2F3-55313B99993D}" type="datetimeFigureOut">
               <a:rPr lang="de-DE" smtClean="0"/>
               <a:pPr/>
-              <a:t>10.06.2020</a:t>
+              <a:t>11.06.2020</a:t>
             </a:fld>
             <a:endParaRPr lang="de-DE" dirty="0"/>
           </a:p>
@@ -2580,7 +2580,7 @@
             <a:fld id="{C23735F2-C9ED-4AE8-B2F3-55313B99993D}" type="datetimeFigureOut">
               <a:rPr lang="de-DE" smtClean="0"/>
               <a:pPr/>
-              <a:t>10.06.2020</a:t>
+              <a:t>11.06.2020</a:t>
             </a:fld>
             <a:endParaRPr lang="de-DE" dirty="0"/>
           </a:p>
@@ -2841,7 +2841,7 @@
             <a:fld id="{C23735F2-C9ED-4AE8-B2F3-55313B99993D}" type="datetimeFigureOut">
               <a:rPr lang="de-DE" smtClean="0"/>
               <a:pPr/>
-              <a:t>10.06.2020</a:t>
+              <a:t>11.06.2020</a:t>
             </a:fld>
             <a:endParaRPr lang="de-DE" dirty="0"/>
           </a:p>
@@ -3247,7 +3247,7 @@
             <a:fld id="{C23735F2-C9ED-4AE8-B2F3-55313B99993D}" type="datetimeFigureOut">
               <a:rPr lang="de-DE" smtClean="0"/>
               <a:pPr/>
-              <a:t>10.06.2020</a:t>
+              <a:t>11.06.2020</a:t>
             </a:fld>
             <a:endParaRPr lang="de-DE" dirty="0"/>
           </a:p>
@@ -3670,7 +3670,7 @@
           <a:p>
             <a:r>
               <a:rPr lang="de-DE" dirty="0" smtClean="0"/>
-              <a:t>Hochsprachen-Programmierung</a:t>
+              <a:t>Balken- und Profilberechnung</a:t>
             </a:r>
             <a:endParaRPr lang="de-DE" dirty="0"/>
           </a:p>
@@ -3706,15 +3706,7 @@
           <a:p>
             <a:r>
               <a:rPr lang="de-DE" dirty="0" smtClean="0"/>
-              <a:t>Jan Kellermann, Rune </a:t>
-            </a:r>
-            <a:r>
-              <a:rPr lang="de-DE" dirty="0" smtClean="0"/>
-              <a:t>Bödeker</a:t>
-            </a:r>
-            <a:r>
-              <a:rPr lang="de-DE" dirty="0" smtClean="0"/>
-              <a:t>,</a:t>
+              <a:t>Jan Kellermann, Rune Bödeker,</a:t>
             </a:r>
           </a:p>
           <a:p>
@@ -4120,13 +4112,8 @@
           <a:p>
             <a:r>
               <a:rPr lang="de-DE" dirty="0" smtClean="0"/>
-              <a:t>Rollen- und </a:t>
-            </a:r>
-            <a:r>
-              <a:rPr lang="de-DE" dirty="0" smtClean="0"/>
-              <a:t>Aufgabenverteilung</a:t>
-            </a:r>
-            <a:endParaRPr lang="de-DE" dirty="0" smtClean="0"/>
+              <a:t>Rollen- und Aufgabenverteilung</a:t>
+            </a:r>
           </a:p>
           <a:p>
             <a:r>
@@ -4143,27 +4130,20 @@
           <a:p>
             <a:r>
               <a:rPr lang="de-DE" dirty="0" smtClean="0"/>
-              <a:t>Umsetzung der </a:t>
-            </a:r>
-            <a:r>
-              <a:rPr lang="de-DE" dirty="0" smtClean="0"/>
-              <a:t>Kritik und Tipps</a:t>
-            </a:r>
-            <a:endParaRPr lang="de-DE" dirty="0" smtClean="0"/>
+              <a:t>Umsetzung der Kritik und Tipps</a:t>
+            </a:r>
           </a:p>
           <a:p>
             <a:r>
               <a:rPr lang="de-DE" dirty="0" smtClean="0"/>
               <a:t>Resumé</a:t>
             </a:r>
-            <a:endParaRPr lang="de-DE" dirty="0" smtClean="0"/>
           </a:p>
           <a:p>
             <a:r>
               <a:rPr lang="de-DE" dirty="0" smtClean="0"/>
               <a:t>Ergebnisse</a:t>
             </a:r>
-            <a:endParaRPr lang="de-DE" dirty="0" smtClean="0"/>
           </a:p>
           <a:p>
             <a:endParaRPr lang="de-DE" dirty="0" smtClean="0"/>
@@ -4609,21 +4589,13 @@
           <a:p>
             <a:r>
               <a:rPr lang="de-DE" dirty="0" smtClean="0"/>
-              <a:t>k</a:t>
-            </a:r>
+              <a:t>kamen mit der Zeit auf uns zu</a:t>
+            </a:r>
+          </a:p>
+          <a:p>
             <a:r>
               <a:rPr lang="de-DE" dirty="0" smtClean="0"/>
-              <a:t>amen mit der Zeit auf uns zu</a:t>
-            </a:r>
-          </a:p>
-          <a:p>
-            <a:r>
-              <a:rPr lang="de-DE" dirty="0" smtClean="0"/>
-              <a:t>g</a:t>
-            </a:r>
-            <a:r>
-              <a:rPr lang="de-DE" dirty="0" smtClean="0"/>
-              <a:t>estärkte Teamfähigkeit</a:t>
+              <a:t>gestärkte Teamfähigkeit</a:t>
             </a:r>
             <a:endParaRPr lang="de-DE" dirty="0"/>
           </a:p>
@@ -5100,7 +5072,7 @@
         </p:blipFill>
         <p:spPr>
           <a:xfrm>
-            <a:off x="683568" y="548680"/>
+            <a:off x="1115616" y="764704"/>
             <a:ext cx="7020272" cy="4854393"/>
           </a:xfrm>
           <a:prstGeom prst="rect">
@@ -7280,11 +7252,7 @@
           <a:p>
             <a:r>
               <a:rPr lang="de-DE" dirty="0" smtClean="0"/>
-              <a:t>Umsetzung der </a:t>
-            </a:r>
-            <a:r>
-              <a:rPr lang="de-DE" dirty="0" smtClean="0"/>
-              <a:t>Kritik und Tipps</a:t>
+              <a:t>Umsetzung der Kritik und Tipps</a:t>
             </a:r>
             <a:endParaRPr lang="de-DE" dirty="0"/>
           </a:p>
@@ -7307,33 +7275,21 @@
           <a:p>
             <a:r>
               <a:rPr lang="de-DE" dirty="0" smtClean="0"/>
-              <a:t>Scrum</a:t>
-            </a:r>
+              <a:t>Scrum-Meetings nach jedem Testat</a:t>
+            </a:r>
+          </a:p>
+          <a:p>
             <a:r>
               <a:rPr lang="de-DE" dirty="0" smtClean="0"/>
-              <a:t>-</a:t>
+              <a:t>nach </a:t>
             </a:r>
             <a:r>
               <a:rPr lang="de-DE" dirty="0" smtClean="0"/>
-              <a:t>Meetings </a:t>
+              <a:t>Wünschen </a:t>
             </a:r>
             <a:r>
               <a:rPr lang="de-DE" dirty="0" smtClean="0"/>
-              <a:t>nach jedem </a:t>
-            </a:r>
-            <a:r>
-              <a:rPr lang="de-DE" dirty="0" smtClean="0"/>
-              <a:t>Testat</a:t>
-            </a:r>
-          </a:p>
-          <a:p>
-            <a:r>
-              <a:rPr lang="de-DE" dirty="0" smtClean="0"/>
-              <a:t>n</a:t>
-            </a:r>
-            <a:r>
-              <a:rPr lang="de-DE" dirty="0" smtClean="0"/>
-              <a:t>ach wünschen des Kunden gestalten </a:t>
+              <a:t>des Kunden gestalten </a:t>
             </a:r>
           </a:p>
           <a:p>
@@ -7685,47 +7641,31 @@
           <a:p>
             <a:r>
               <a:rPr lang="de-DE" dirty="0" smtClean="0"/>
-              <a:t>g</a:t>
-            </a:r>
+              <a:t>gute Kommunikation und Planung</a:t>
+            </a:r>
+          </a:p>
+          <a:p>
             <a:r>
               <a:rPr lang="de-DE" dirty="0" smtClean="0"/>
-              <a:t>ute Kommunikation und Planung</a:t>
+              <a:t>gegenseitige Ergänzung</a:t>
             </a:r>
           </a:p>
           <a:p>
             <a:r>
               <a:rPr lang="de-DE" dirty="0" smtClean="0"/>
-              <a:t>g</a:t>
-            </a:r>
+              <a:t>angenehmes Gruppenklima</a:t>
+            </a:r>
+          </a:p>
+          <a:p>
+            <a:endParaRPr lang="de-DE" dirty="0" smtClean="0"/>
+          </a:p>
+          <a:p>
+            <a:endParaRPr lang="de-DE" dirty="0"/>
+          </a:p>
+          <a:p>
             <a:r>
               <a:rPr lang="de-DE" dirty="0" smtClean="0"/>
-              <a:t>egenseitige Ergänzung</a:t>
-            </a:r>
-          </a:p>
-          <a:p>
-            <a:r>
-              <a:rPr lang="de-DE" dirty="0" smtClean="0"/>
-              <a:t>a</a:t>
-            </a:r>
-            <a:r>
-              <a:rPr lang="de-DE" dirty="0" smtClean="0"/>
-              <a:t>ngenehmes Gruppenklima</a:t>
-            </a:r>
-          </a:p>
-          <a:p>
-            <a:endParaRPr lang="de-DE" dirty="0" smtClean="0"/>
-          </a:p>
-          <a:p>
-            <a:endParaRPr lang="de-DE" dirty="0"/>
-          </a:p>
-          <a:p>
-            <a:r>
-              <a:rPr lang="de-DE" dirty="0" smtClean="0"/>
-              <a:t>i</a:t>
-            </a:r>
-            <a:r>
-              <a:rPr lang="de-DE" dirty="0" smtClean="0"/>
-              <a:t>nteressanter und lehrreicher Kurs!</a:t>
+              <a:t>interessanter und lehrreicher Kurs!</a:t>
             </a:r>
           </a:p>
         </p:txBody>
